--- a/Data Base Project.pptx
+++ b/Data Base Project.pptx
@@ -5,7 +5,7 @@
     <p:sldMasterId id="2147483708" r:id="rId1"/>
   </p:sldMasterIdLst>
   <p:notesMasterIdLst>
-    <p:notesMasterId r:id="rId8"/>
+    <p:notesMasterId r:id="rId7"/>
   </p:notesMasterIdLst>
   <p:sldIdLst>
     <p:sldId id="256" r:id="rId2"/>
@@ -13,7 +13,6 @@
     <p:sldId id="258" r:id="rId4"/>
     <p:sldId id="260" r:id="rId5"/>
     <p:sldId id="261" r:id="rId6"/>
-    <p:sldId id="262" r:id="rId7"/>
   </p:sldIdLst>
   <p:sldSz cx="12192000" cy="6858000"/>
   <p:notesSz cx="6858000" cy="9144000"/>
@@ -112,6 +111,11 @@
       </a:defRPr>
     </a:lvl9pPr>
   </p:defaultTextStyle>
+  <p:extLst>
+    <p:ext uri="{EFAFB233-063F-42B5-8137-9DF3F51BA10A}">
+      <p15:sldGuideLst xmlns:p15="http://schemas.microsoft.com/office/powerpoint/2012/main"/>
+    </p:ext>
+  </p:extLst>
 </p:presentation>
 </file>
 
@@ -197,7 +201,7 @@
           <a:p>
             <a:fld id="{8447188A-9B64-4764-8701-36A5AA249D79}" type="datetimeFigureOut">
               <a:rPr lang="en-US" smtClean="0"/>
-              <a:t>10/29/2018</a:t>
+              <a:t>11/12/2018</a:t>
             </a:fld>
             <a:endParaRPr lang="en-US"/>
           </a:p>
@@ -604,7 +608,7 @@
           <a:p>
             <a:fld id="{26A9AAF8-F2B0-43C8-AA45-5777A669FD7D}" type="datetimeFigureOut">
               <a:rPr lang="en-US" smtClean="0"/>
-              <a:t>10/29/2018</a:t>
+              <a:t>11/12/2018</a:t>
             </a:fld>
             <a:endParaRPr lang="en-US"/>
           </a:p>
@@ -815,7 +819,7 @@
           <a:p>
             <a:fld id="{26A9AAF8-F2B0-43C8-AA45-5777A669FD7D}" type="datetimeFigureOut">
               <a:rPr lang="en-US" smtClean="0"/>
-              <a:t>10/29/2018</a:t>
+              <a:t>11/12/2018</a:t>
             </a:fld>
             <a:endParaRPr lang="en-US"/>
           </a:p>
@@ -1030,7 +1034,7 @@
           <a:p>
             <a:fld id="{26A9AAF8-F2B0-43C8-AA45-5777A669FD7D}" type="datetimeFigureOut">
               <a:rPr lang="en-US" smtClean="0"/>
-              <a:t>10/29/2018</a:t>
+              <a:t>11/12/2018</a:t>
             </a:fld>
             <a:endParaRPr lang="en-US"/>
           </a:p>
@@ -1231,7 +1235,7 @@
           <a:p>
             <a:fld id="{26A9AAF8-F2B0-43C8-AA45-5777A669FD7D}" type="datetimeFigureOut">
               <a:rPr lang="en-US" smtClean="0"/>
-              <a:t>10/29/2018</a:t>
+              <a:t>11/12/2018</a:t>
             </a:fld>
             <a:endParaRPr lang="en-US"/>
           </a:p>
@@ -1510,7 +1514,7 @@
           <a:p>
             <a:fld id="{26A9AAF8-F2B0-43C8-AA45-5777A669FD7D}" type="datetimeFigureOut">
               <a:rPr lang="en-US" smtClean="0"/>
-              <a:t>10/29/2018</a:t>
+              <a:t>11/12/2018</a:t>
             </a:fld>
             <a:endParaRPr lang="en-US"/>
           </a:p>
@@ -1778,7 +1782,7 @@
           <a:p>
             <a:fld id="{26A9AAF8-F2B0-43C8-AA45-5777A669FD7D}" type="datetimeFigureOut">
               <a:rPr lang="en-US" smtClean="0"/>
-              <a:t>10/29/2018</a:t>
+              <a:t>11/12/2018</a:t>
             </a:fld>
             <a:endParaRPr lang="en-US"/>
           </a:p>
@@ -2194,7 +2198,7 @@
           <a:p>
             <a:fld id="{26A9AAF8-F2B0-43C8-AA45-5777A669FD7D}" type="datetimeFigureOut">
               <a:rPr lang="en-US" smtClean="0"/>
-              <a:t>10/29/2018</a:t>
+              <a:t>11/12/2018</a:t>
             </a:fld>
             <a:endParaRPr lang="en-US"/>
           </a:p>
@@ -2343,7 +2347,7 @@
           <a:p>
             <a:fld id="{26A9AAF8-F2B0-43C8-AA45-5777A669FD7D}" type="datetimeFigureOut">
               <a:rPr lang="en-US" smtClean="0"/>
-              <a:t>10/29/2018</a:t>
+              <a:t>11/12/2018</a:t>
             </a:fld>
             <a:endParaRPr lang="en-US"/>
           </a:p>
@@ -2469,7 +2473,7 @@
           <a:p>
             <a:fld id="{26A9AAF8-F2B0-43C8-AA45-5777A669FD7D}" type="datetimeFigureOut">
               <a:rPr lang="en-US" smtClean="0"/>
-              <a:t>10/29/2018</a:t>
+              <a:t>11/12/2018</a:t>
             </a:fld>
             <a:endParaRPr lang="en-US"/>
           </a:p>
@@ -2720,7 +2724,7 @@
           <a:p>
             <a:fld id="{26A9AAF8-F2B0-43C8-AA45-5777A669FD7D}" type="datetimeFigureOut">
               <a:rPr lang="en-US" smtClean="0"/>
-              <a:t>10/29/2018</a:t>
+              <a:t>11/12/2018</a:t>
             </a:fld>
             <a:endParaRPr lang="en-US"/>
           </a:p>
@@ -3165,7 +3169,7 @@
           <a:p>
             <a:fld id="{26A9AAF8-F2B0-43C8-AA45-5777A669FD7D}" type="datetimeFigureOut">
               <a:rPr lang="en-US" smtClean="0"/>
-              <a:t>10/29/2018</a:t>
+              <a:t>11/12/2018</a:t>
             </a:fld>
             <a:endParaRPr lang="en-US"/>
           </a:p>
@@ -3491,7 +3495,7 @@
           <a:p>
             <a:fld id="{26A9AAF8-F2B0-43C8-AA45-5777A669FD7D}" type="datetimeFigureOut">
               <a:rPr lang="en-US" smtClean="0"/>
-              <a:t>10/29/2018</a:t>
+              <a:t>11/12/2018</a:t>
             </a:fld>
             <a:endParaRPr lang="en-US"/>
           </a:p>
@@ -5217,90 +5221,6 @@
     <p:extLst>
       <p:ext uri="{BB962C8B-B14F-4D97-AF65-F5344CB8AC3E}">
         <p14:creationId xmlns:p14="http://schemas.microsoft.com/office/powerpoint/2010/main" val="4269007058"/>
-      </p:ext>
-    </p:extLst>
-  </p:cSld>
-  <p:clrMapOvr>
-    <a:masterClrMapping/>
-  </p:clrMapOvr>
-</p:sld>
-</file>
-
-<file path=ppt/slides/slide6.xml><?xml version="1.0" encoding="utf-8"?>
-<p:sld xmlns:a="http://schemas.openxmlformats.org/drawingml/2006/main" xmlns:r="http://schemas.openxmlformats.org/officeDocument/2006/relationships" xmlns:p="http://schemas.openxmlformats.org/presentationml/2006/main">
-  <p:cSld>
-    <p:spTree>
-      <p:nvGrpSpPr>
-        <p:cNvPr id="1" name=""/>
-        <p:cNvGrpSpPr/>
-        <p:nvPr/>
-      </p:nvGrpSpPr>
-      <p:grpSpPr>
-        <a:xfrm>
-          <a:off x="0" y="0"/>
-          <a:ext cx="0" cy="0"/>
-          <a:chOff x="0" y="0"/>
-          <a:chExt cx="0" cy="0"/>
-        </a:xfrm>
-      </p:grpSpPr>
-      <p:sp>
-        <p:nvSpPr>
-          <p:cNvPr id="2" name="כותרת 1">
-            <a:extLst>
-              <a:ext uri="{FF2B5EF4-FFF2-40B4-BE49-F238E27FC236}">
-                <a16:creationId xmlns:a16="http://schemas.microsoft.com/office/drawing/2014/main" id="{51474972-3960-40DF-A282-761D19D4C3D5}"/>
-              </a:ext>
-            </a:extLst>
-          </p:cNvPr>
-          <p:cNvSpPr>
-            <a:spLocks noGrp="1"/>
-          </p:cNvSpPr>
-          <p:nvPr>
-            <p:ph type="title"/>
-          </p:nvPr>
-        </p:nvSpPr>
-        <p:spPr/>
-        <p:txBody>
-          <a:bodyPr/>
-          <a:lstStyle/>
-          <a:p>
-            <a:pPr algn="ctr"/>
-            <a:r>
-              <a:rPr lang="en-US" b="1" u="sng" dirty="0"/>
-              <a:t>DATA</a:t>
-            </a:r>
-          </a:p>
-        </p:txBody>
-      </p:sp>
-      <p:sp>
-        <p:nvSpPr>
-          <p:cNvPr id="3" name="מציין מיקום תוכן 2">
-            <a:extLst>
-              <a:ext uri="{FF2B5EF4-FFF2-40B4-BE49-F238E27FC236}">
-                <a16:creationId xmlns:a16="http://schemas.microsoft.com/office/drawing/2014/main" id="{71EA2A90-6BAE-4FCC-AEFA-2EC51E9EFA93}"/>
-              </a:ext>
-            </a:extLst>
-          </p:cNvPr>
-          <p:cNvSpPr>
-            <a:spLocks noGrp="1"/>
-          </p:cNvSpPr>
-          <p:nvPr>
-            <p:ph idx="1"/>
-          </p:nvPr>
-        </p:nvSpPr>
-        <p:spPr/>
-        <p:txBody>
-          <a:bodyPr/>
-          <a:lstStyle/>
-          <a:p>
-            <a:endParaRPr lang="en-US" dirty="0"/>
-          </a:p>
-        </p:txBody>
-      </p:sp>
-    </p:spTree>
-    <p:extLst>
-      <p:ext uri="{BB962C8B-B14F-4D97-AF65-F5344CB8AC3E}">
-        <p14:creationId xmlns:p14="http://schemas.microsoft.com/office/powerpoint/2010/main" val="392345917"/>
       </p:ext>
     </p:extLst>
   </p:cSld>
